--- a/figure-hardware.pptx
+++ b/figure-hardware.pptx
@@ -238,7 +238,7 @@
           <a:p>
             <a:fld id="{759FF868-B3FA-43AD-AEE1-4DF649643689}" type="datetimeFigureOut">
               <a:rPr lang="en-US" smtClean="0"/>
-              <a:t>4/28/2015</a:t>
+              <a:t>4/28/15</a:t>
             </a:fld>
             <a:endParaRPr lang="en-US"/>
           </a:p>
@@ -408,7 +408,7 @@
           <a:p>
             <a:fld id="{759FF868-B3FA-43AD-AEE1-4DF649643689}" type="datetimeFigureOut">
               <a:rPr lang="en-US" smtClean="0"/>
-              <a:t>4/28/2015</a:t>
+              <a:t>4/28/15</a:t>
             </a:fld>
             <a:endParaRPr lang="en-US"/>
           </a:p>
@@ -588,7 +588,7 @@
           <a:p>
             <a:fld id="{759FF868-B3FA-43AD-AEE1-4DF649643689}" type="datetimeFigureOut">
               <a:rPr lang="en-US" smtClean="0"/>
-              <a:t>4/28/2015</a:t>
+              <a:t>4/28/15</a:t>
             </a:fld>
             <a:endParaRPr lang="en-US"/>
           </a:p>
@@ -758,7 +758,7 @@
           <a:p>
             <a:fld id="{759FF868-B3FA-43AD-AEE1-4DF649643689}" type="datetimeFigureOut">
               <a:rPr lang="en-US" smtClean="0"/>
-              <a:t>4/28/2015</a:t>
+              <a:t>4/28/15</a:t>
             </a:fld>
             <a:endParaRPr lang="en-US"/>
           </a:p>
@@ -1004,7 +1004,7 @@
           <a:p>
             <a:fld id="{759FF868-B3FA-43AD-AEE1-4DF649643689}" type="datetimeFigureOut">
               <a:rPr lang="en-US" smtClean="0"/>
-              <a:t>4/28/2015</a:t>
+              <a:t>4/28/15</a:t>
             </a:fld>
             <a:endParaRPr lang="en-US"/>
           </a:p>
@@ -1236,7 +1236,7 @@
           <a:p>
             <a:fld id="{759FF868-B3FA-43AD-AEE1-4DF649643689}" type="datetimeFigureOut">
               <a:rPr lang="en-US" smtClean="0"/>
-              <a:t>4/28/2015</a:t>
+              <a:t>4/28/15</a:t>
             </a:fld>
             <a:endParaRPr lang="en-US"/>
           </a:p>
@@ -1603,7 +1603,7 @@
           <a:p>
             <a:fld id="{759FF868-B3FA-43AD-AEE1-4DF649643689}" type="datetimeFigureOut">
               <a:rPr lang="en-US" smtClean="0"/>
-              <a:t>4/28/2015</a:t>
+              <a:t>4/28/15</a:t>
             </a:fld>
             <a:endParaRPr lang="en-US"/>
           </a:p>
@@ -1721,7 +1721,7 @@
           <a:p>
             <a:fld id="{759FF868-B3FA-43AD-AEE1-4DF649643689}" type="datetimeFigureOut">
               <a:rPr lang="en-US" smtClean="0"/>
-              <a:t>4/28/2015</a:t>
+              <a:t>4/28/15</a:t>
             </a:fld>
             <a:endParaRPr lang="en-US"/>
           </a:p>
@@ -1816,7 +1816,7 @@
           <a:p>
             <a:fld id="{759FF868-B3FA-43AD-AEE1-4DF649643689}" type="datetimeFigureOut">
               <a:rPr lang="en-US" smtClean="0"/>
-              <a:t>4/28/2015</a:t>
+              <a:t>4/28/15</a:t>
             </a:fld>
             <a:endParaRPr lang="en-US"/>
           </a:p>
@@ -2093,7 +2093,7 @@
           <a:p>
             <a:fld id="{759FF868-B3FA-43AD-AEE1-4DF649643689}" type="datetimeFigureOut">
               <a:rPr lang="en-US" smtClean="0"/>
-              <a:t>4/28/2015</a:t>
+              <a:t>4/28/15</a:t>
             </a:fld>
             <a:endParaRPr lang="en-US"/>
           </a:p>
@@ -2346,7 +2346,7 @@
           <a:p>
             <a:fld id="{759FF868-B3FA-43AD-AEE1-4DF649643689}" type="datetimeFigureOut">
               <a:rPr lang="en-US" smtClean="0"/>
-              <a:t>4/28/2015</a:t>
+              <a:t>4/28/15</a:t>
             </a:fld>
             <a:endParaRPr lang="en-US"/>
           </a:p>
@@ -2559,7 +2559,7 @@
           <a:p>
             <a:fld id="{759FF868-B3FA-43AD-AEE1-4DF649643689}" type="datetimeFigureOut">
               <a:rPr lang="en-US" smtClean="0"/>
-              <a:t>4/28/2015</a:t>
+              <a:t>4/28/15</a:t>
             </a:fld>
             <a:endParaRPr lang="en-US"/>
           </a:p>
@@ -3099,8 +3099,8 @@
           </a:xfrm>
           <a:prstGeom prst="borderCallout1">
             <a:avLst>
-              <a:gd name="adj1" fmla="val 18750"/>
-              <a:gd name="adj2" fmla="val -8333"/>
+              <a:gd name="adj1" fmla="val 54306"/>
+              <a:gd name="adj2" fmla="val -3259"/>
               <a:gd name="adj3" fmla="val 136358"/>
               <a:gd name="adj4" fmla="val -83538"/>
             </a:avLst>
@@ -3162,8 +3162,8 @@
           </a:xfrm>
           <a:prstGeom prst="borderCallout1">
             <a:avLst>
-              <a:gd name="adj1" fmla="val 18750"/>
-              <a:gd name="adj2" fmla="val -8333"/>
+              <a:gd name="adj1" fmla="val 49861"/>
+              <a:gd name="adj2" fmla="val -3767"/>
               <a:gd name="adj3" fmla="val 14358"/>
               <a:gd name="adj4" fmla="val -57511"/>
             </a:avLst>
@@ -3225,8 +3225,8 @@
           </a:xfrm>
           <a:prstGeom prst="borderCallout1">
             <a:avLst>
-              <a:gd name="adj1" fmla="val 18750"/>
-              <a:gd name="adj2" fmla="val -8333"/>
+              <a:gd name="adj1" fmla="val 43194"/>
+              <a:gd name="adj2" fmla="val -3259"/>
               <a:gd name="adj3" fmla="val -139642"/>
               <a:gd name="adj4" fmla="val -28287"/>
             </a:avLst>
@@ -3288,8 +3288,8 @@
           </a:xfrm>
           <a:prstGeom prst="borderCallout1">
             <a:avLst>
-              <a:gd name="adj1" fmla="val 18750"/>
-              <a:gd name="adj2" fmla="val -8333"/>
+              <a:gd name="adj1" fmla="val 40972"/>
+              <a:gd name="adj2" fmla="val -3767"/>
               <a:gd name="adj3" fmla="val -333642"/>
               <a:gd name="adj4" fmla="val -117785"/>
             </a:avLst>
@@ -3330,15 +3330,7 @@
                   <a:schemeClr val="tx1"/>
                 </a:solidFill>
               </a:rPr>
-              <a:t>Infrared </a:t>
-            </a:r>
-            <a:r>
-              <a:rPr lang="en-US" dirty="0" smtClean="0">
-                <a:solidFill>
-                  <a:schemeClr val="tx1"/>
-                </a:solidFill>
-              </a:rPr>
-              <a:t>LED light bulbs</a:t>
+              <a:t>Infrared LED light bulbs</a:t>
             </a:r>
             <a:endParaRPr lang="en-US" dirty="0">
               <a:solidFill>
@@ -3404,7 +3396,7 @@
     </a:clrScheme>
     <a:fontScheme name="Office">
       <a:majorFont>
-        <a:latin typeface="Calibri Light" panose="020F0302020204030204"/>
+        <a:latin typeface="Calibri Light"/>
         <a:ea typeface=""/>
         <a:cs typeface=""/>
         <a:font script="Jpan" typeface="ＭＳ Ｐゴシック"/>
@@ -3439,7 +3431,7 @@
         <a:font script="Geor" typeface="Sylfaen"/>
       </a:majorFont>
       <a:minorFont>
-        <a:latin typeface="Calibri" panose="020F0502020204030204"/>
+        <a:latin typeface="Calibri"/>
         <a:ea typeface=""/>
         <a:cs typeface=""/>
         <a:font script="Jpan" typeface="ＭＳ Ｐゴシック"/>
@@ -3616,7 +3608,7 @@
   <a:extraClrSchemeLst/>
   <a:extLst>
     <a:ext uri="{05A4C25C-085E-4340-85A3-A5531E510DB2}">
-      <thm15:themeFamily xmlns:thm15="http://schemas.microsoft.com/office/thememl/2012/main" name="Office Theme" id="{62F939B6-93AF-4DB8-9C6B-D6C7DFDC589F}" vid="{4A3C46E8-61CC-4603-A589-7422A47A8E4A}"/>
+      <thm15:themeFamily xmlns:thm15="http://schemas.microsoft.com/office/thememl/2012/main" xmlns="" name="Office Theme" id="{62F939B6-93AF-4DB8-9C6B-D6C7DFDC589F}" vid="{4A3C46E8-61CC-4603-A589-7422A47A8E4A}"/>
     </a:ext>
   </a:extLst>
 </a:theme>

--- a/figure-hardware.pptx
+++ b/figure-hardware.pptx
@@ -6,6 +6,7 @@
   </p:sldMasterIdLst>
   <p:sldIdLst>
     <p:sldId id="256" r:id="rId2"/>
+    <p:sldId id="257" r:id="rId3"/>
   </p:sldIdLst>
   <p:sldSz cx="12192000" cy="6858000"/>
   <p:notesSz cx="6858000" cy="9144000"/>
@@ -104,6 +105,22 @@
       </a:defRPr>
     </a:lvl9pPr>
   </p:defaultTextStyle>
+  <p:extLst>
+    <p:ext uri="{EFAFB233-063F-42B5-8137-9DF3F51BA10A}">
+      <p15:sldGuideLst xmlns:p15="http://schemas.microsoft.com/office/powerpoint/2012/main">
+        <p15:guide id="1" orient="horz" pos="2160">
+          <p15:clr>
+            <a:srgbClr val="A4A3A4"/>
+          </p15:clr>
+        </p15:guide>
+        <p15:guide id="2" pos="3840">
+          <p15:clr>
+            <a:srgbClr val="A4A3A4"/>
+          </p15:clr>
+        </p15:guide>
+      </p15:sldGuideLst>
+    </p:ext>
+  </p:extLst>
 </p:presentation>
 </file>
 
@@ -238,7 +255,7 @@
           <a:p>
             <a:fld id="{759FF868-B3FA-43AD-AEE1-4DF649643689}" type="datetimeFigureOut">
               <a:rPr lang="en-US" smtClean="0"/>
-              <a:t>4/28/15</a:t>
+              <a:t>7/16/2015</a:t>
             </a:fld>
             <a:endParaRPr lang="en-US"/>
           </a:p>
@@ -408,7 +425,7 @@
           <a:p>
             <a:fld id="{759FF868-B3FA-43AD-AEE1-4DF649643689}" type="datetimeFigureOut">
               <a:rPr lang="en-US" smtClean="0"/>
-              <a:t>4/28/15</a:t>
+              <a:t>7/16/2015</a:t>
             </a:fld>
             <a:endParaRPr lang="en-US"/>
           </a:p>
@@ -588,7 +605,7 @@
           <a:p>
             <a:fld id="{759FF868-B3FA-43AD-AEE1-4DF649643689}" type="datetimeFigureOut">
               <a:rPr lang="en-US" smtClean="0"/>
-              <a:t>4/28/15</a:t>
+              <a:t>7/16/2015</a:t>
             </a:fld>
             <a:endParaRPr lang="en-US"/>
           </a:p>
@@ -758,7 +775,7 @@
           <a:p>
             <a:fld id="{759FF868-B3FA-43AD-AEE1-4DF649643689}" type="datetimeFigureOut">
               <a:rPr lang="en-US" smtClean="0"/>
-              <a:t>4/28/15</a:t>
+              <a:t>7/16/2015</a:t>
             </a:fld>
             <a:endParaRPr lang="en-US"/>
           </a:p>
@@ -1004,7 +1021,7 @@
           <a:p>
             <a:fld id="{759FF868-B3FA-43AD-AEE1-4DF649643689}" type="datetimeFigureOut">
               <a:rPr lang="en-US" smtClean="0"/>
-              <a:t>4/28/15</a:t>
+              <a:t>7/16/2015</a:t>
             </a:fld>
             <a:endParaRPr lang="en-US"/>
           </a:p>
@@ -1236,7 +1253,7 @@
           <a:p>
             <a:fld id="{759FF868-B3FA-43AD-AEE1-4DF649643689}" type="datetimeFigureOut">
               <a:rPr lang="en-US" smtClean="0"/>
-              <a:t>4/28/15</a:t>
+              <a:t>7/16/2015</a:t>
             </a:fld>
             <a:endParaRPr lang="en-US"/>
           </a:p>
@@ -1603,7 +1620,7 @@
           <a:p>
             <a:fld id="{759FF868-B3FA-43AD-AEE1-4DF649643689}" type="datetimeFigureOut">
               <a:rPr lang="en-US" smtClean="0"/>
-              <a:t>4/28/15</a:t>
+              <a:t>7/16/2015</a:t>
             </a:fld>
             <a:endParaRPr lang="en-US"/>
           </a:p>
@@ -1721,7 +1738,7 @@
           <a:p>
             <a:fld id="{759FF868-B3FA-43AD-AEE1-4DF649643689}" type="datetimeFigureOut">
               <a:rPr lang="en-US" smtClean="0"/>
-              <a:t>4/28/15</a:t>
+              <a:t>7/16/2015</a:t>
             </a:fld>
             <a:endParaRPr lang="en-US"/>
           </a:p>
@@ -1816,7 +1833,7 @@
           <a:p>
             <a:fld id="{759FF868-B3FA-43AD-AEE1-4DF649643689}" type="datetimeFigureOut">
               <a:rPr lang="en-US" smtClean="0"/>
-              <a:t>4/28/15</a:t>
+              <a:t>7/16/2015</a:t>
             </a:fld>
             <a:endParaRPr lang="en-US"/>
           </a:p>
@@ -2093,7 +2110,7 @@
           <a:p>
             <a:fld id="{759FF868-B3FA-43AD-AEE1-4DF649643689}" type="datetimeFigureOut">
               <a:rPr lang="en-US" smtClean="0"/>
-              <a:t>4/28/15</a:t>
+              <a:t>7/16/2015</a:t>
             </a:fld>
             <a:endParaRPr lang="en-US"/>
           </a:p>
@@ -2346,7 +2363,7 @@
           <a:p>
             <a:fld id="{759FF868-B3FA-43AD-AEE1-4DF649643689}" type="datetimeFigureOut">
               <a:rPr lang="en-US" smtClean="0"/>
-              <a:t>4/28/15</a:t>
+              <a:t>7/16/2015</a:t>
             </a:fld>
             <a:endParaRPr lang="en-US"/>
           </a:p>
@@ -2559,7 +2576,7 @@
           <a:p>
             <a:fld id="{759FF868-B3FA-43AD-AEE1-4DF649643689}" type="datetimeFigureOut">
               <a:rPr lang="en-US" smtClean="0"/>
-              <a:t>4/28/15</a:t>
+              <a:t>7/16/2015</a:t>
             </a:fld>
             <a:endParaRPr lang="en-US"/>
           </a:p>
@@ -2964,6 +2981,757 @@
           <a:chExt cx="0" cy="0"/>
         </a:xfrm>
       </p:grpSpPr>
+      <p:grpSp>
+        <p:nvGrpSpPr>
+          <p:cNvPr id="25" name="Group 24"/>
+          <p:cNvGrpSpPr/>
+          <p:nvPr/>
+        </p:nvGrpSpPr>
+        <p:grpSpPr>
+          <a:xfrm>
+            <a:off x="1851660" y="750570"/>
+            <a:ext cx="6619340" cy="5067300"/>
+            <a:chOff x="1851660" y="750570"/>
+            <a:chExt cx="6619340" cy="5067300"/>
+          </a:xfrm>
+        </p:grpSpPr>
+        <p:pic>
+          <p:nvPicPr>
+            <p:cNvPr id="4" name="Picture 3"/>
+            <p:cNvPicPr>
+              <a:picLocks noChangeAspect="1"/>
+            </p:cNvPicPr>
+            <p:nvPr/>
+          </p:nvPicPr>
+          <p:blipFill>
+            <a:blip r:embed="rId2" cstate="print">
+              <a:extLst>
+                <a:ext uri="{28A0092B-C50C-407E-A947-70E740481C1C}">
+                  <a14:useLocalDpi xmlns:a14="http://schemas.microsoft.com/office/drawing/2010/main" val="0"/>
+                </a:ext>
+              </a:extLst>
+            </a:blip>
+            <a:stretch>
+              <a:fillRect/>
+            </a:stretch>
+          </p:blipFill>
+          <p:spPr>
+            <a:xfrm>
+              <a:off x="1851660" y="750570"/>
+              <a:ext cx="5067300" cy="5067300"/>
+            </a:xfrm>
+            <a:prstGeom prst="rect">
+              <a:avLst/>
+            </a:prstGeom>
+          </p:spPr>
+        </p:pic>
+        <p:sp>
+          <p:nvSpPr>
+            <p:cNvPr id="5" name="Oval 4"/>
+            <p:cNvSpPr/>
+            <p:nvPr/>
+          </p:nvSpPr>
+          <p:spPr>
+            <a:xfrm>
+              <a:off x="3474720" y="1611630"/>
+              <a:ext cx="480060" cy="548640"/>
+            </a:xfrm>
+            <a:prstGeom prst="ellipse">
+              <a:avLst/>
+            </a:prstGeom>
+            <a:noFill/>
+            <a:ln w="57150">
+              <a:solidFill>
+                <a:srgbClr val="FF0000"/>
+              </a:solidFill>
+            </a:ln>
+          </p:spPr>
+          <p:style>
+            <a:lnRef idx="2">
+              <a:schemeClr val="accent1">
+                <a:shade val="50000"/>
+              </a:schemeClr>
+            </a:lnRef>
+            <a:fillRef idx="1">
+              <a:schemeClr val="accent1"/>
+            </a:fillRef>
+            <a:effectRef idx="0">
+              <a:schemeClr val="accent1"/>
+            </a:effectRef>
+            <a:fontRef idx="minor">
+              <a:schemeClr val="lt1"/>
+            </a:fontRef>
+          </p:style>
+          <p:txBody>
+            <a:bodyPr rtlCol="0" anchor="ctr"/>
+            <a:lstStyle/>
+            <a:p>
+              <a:pPr algn="ctr"/>
+              <a:endParaRPr lang="en-US"/>
+            </a:p>
+          </p:txBody>
+        </p:sp>
+        <p:sp>
+          <p:nvSpPr>
+            <p:cNvPr id="6" name="Oval 5"/>
+            <p:cNvSpPr/>
+            <p:nvPr/>
+          </p:nvSpPr>
+          <p:spPr>
+            <a:xfrm>
+              <a:off x="4050030" y="1823804"/>
+              <a:ext cx="480060" cy="548640"/>
+            </a:xfrm>
+            <a:prstGeom prst="ellipse">
+              <a:avLst/>
+            </a:prstGeom>
+            <a:noFill/>
+            <a:ln w="57150">
+              <a:solidFill>
+                <a:schemeClr val="accent5"/>
+              </a:solidFill>
+            </a:ln>
+          </p:spPr>
+          <p:style>
+            <a:lnRef idx="2">
+              <a:schemeClr val="accent1">
+                <a:shade val="50000"/>
+              </a:schemeClr>
+            </a:lnRef>
+            <a:fillRef idx="1">
+              <a:schemeClr val="accent1"/>
+            </a:fillRef>
+            <a:effectRef idx="0">
+              <a:schemeClr val="accent1"/>
+            </a:effectRef>
+            <a:fontRef idx="minor">
+              <a:schemeClr val="lt1"/>
+            </a:fontRef>
+          </p:style>
+          <p:txBody>
+            <a:bodyPr rtlCol="0" anchor="ctr"/>
+            <a:lstStyle/>
+            <a:p>
+              <a:pPr algn="ctr"/>
+              <a:endParaRPr lang="en-US"/>
+            </a:p>
+          </p:txBody>
+        </p:sp>
+        <p:sp>
+          <p:nvSpPr>
+            <p:cNvPr id="7" name="Line Callout 1 6"/>
+            <p:cNvSpPr/>
+            <p:nvPr/>
+          </p:nvSpPr>
+          <p:spPr>
+            <a:xfrm>
+              <a:off x="5967829" y="3843625"/>
+              <a:ext cx="2503170" cy="571500"/>
+            </a:xfrm>
+            <a:prstGeom prst="borderCallout1">
+              <a:avLst>
+                <a:gd name="adj1" fmla="val 54306"/>
+                <a:gd name="adj2" fmla="val -3259"/>
+                <a:gd name="adj3" fmla="val -295487"/>
+                <a:gd name="adj4" fmla="val -90631"/>
+              </a:avLst>
+            </a:prstGeom>
+            <a:noFill/>
+            <a:ln w="38100">
+              <a:solidFill>
+                <a:srgbClr val="FF0000"/>
+              </a:solidFill>
+            </a:ln>
+          </p:spPr>
+          <p:style>
+            <a:lnRef idx="2">
+              <a:schemeClr val="accent1">
+                <a:shade val="50000"/>
+              </a:schemeClr>
+            </a:lnRef>
+            <a:fillRef idx="1">
+              <a:schemeClr val="accent1"/>
+            </a:fillRef>
+            <a:effectRef idx="0">
+              <a:schemeClr val="accent1"/>
+            </a:effectRef>
+            <a:fontRef idx="minor">
+              <a:schemeClr val="lt1"/>
+            </a:fontRef>
+          </p:style>
+          <p:txBody>
+            <a:bodyPr rtlCol="0" anchor="ctr"/>
+            <a:lstStyle/>
+            <a:p>
+              <a:pPr algn="ctr"/>
+              <a:r>
+                <a:rPr lang="en-US" dirty="0" smtClean="0">
+                  <a:solidFill>
+                    <a:schemeClr val="tx1"/>
+                  </a:solidFill>
+                </a:rPr>
+                <a:t>Florescence and IR camera </a:t>
+              </a:r>
+              <a:endParaRPr lang="en-US" dirty="0">
+                <a:solidFill>
+                  <a:schemeClr val="tx1"/>
+                </a:solidFill>
+              </a:endParaRPr>
+            </a:p>
+          </p:txBody>
+        </p:sp>
+        <p:sp>
+          <p:nvSpPr>
+            <p:cNvPr id="8" name="Line Callout 1 7"/>
+            <p:cNvSpPr/>
+            <p:nvPr/>
+          </p:nvSpPr>
+          <p:spPr>
+            <a:xfrm>
+              <a:off x="5967829" y="3142253"/>
+              <a:ext cx="2503170" cy="571500"/>
+            </a:xfrm>
+            <a:prstGeom prst="borderCallout1">
+              <a:avLst>
+                <a:gd name="adj1" fmla="val 49861"/>
+                <a:gd name="adj2" fmla="val -3767"/>
+                <a:gd name="adj3" fmla="val -131661"/>
+                <a:gd name="adj4" fmla="val -60348"/>
+              </a:avLst>
+            </a:prstGeom>
+            <a:noFill/>
+            <a:ln w="38100">
+              <a:solidFill>
+                <a:schemeClr val="accent5"/>
+              </a:solidFill>
+            </a:ln>
+          </p:spPr>
+          <p:style>
+            <a:lnRef idx="2">
+              <a:schemeClr val="accent1">
+                <a:shade val="50000"/>
+              </a:schemeClr>
+            </a:lnRef>
+            <a:fillRef idx="1">
+              <a:schemeClr val="accent1"/>
+            </a:fillRef>
+            <a:effectRef idx="0">
+              <a:schemeClr val="accent1"/>
+            </a:effectRef>
+            <a:fontRef idx="minor">
+              <a:schemeClr val="lt1"/>
+            </a:fontRef>
+          </p:style>
+          <p:txBody>
+            <a:bodyPr rtlCol="0" anchor="ctr"/>
+            <a:lstStyle/>
+            <a:p>
+              <a:pPr algn="ctr"/>
+              <a:r>
+                <a:rPr lang="en-US" dirty="0" smtClean="0">
+                  <a:solidFill>
+                    <a:schemeClr val="tx1"/>
+                  </a:solidFill>
+                </a:rPr>
+                <a:t>RGB color and depth camera</a:t>
+              </a:r>
+              <a:endParaRPr lang="en-US" dirty="0">
+                <a:solidFill>
+                  <a:schemeClr val="tx1"/>
+                </a:solidFill>
+              </a:endParaRPr>
+            </a:p>
+          </p:txBody>
+        </p:sp>
+        <p:sp>
+          <p:nvSpPr>
+            <p:cNvPr id="9" name="Line Callout 1 8"/>
+            <p:cNvSpPr/>
+            <p:nvPr/>
+          </p:nvSpPr>
+          <p:spPr>
+            <a:xfrm>
+              <a:off x="5967829" y="4544997"/>
+              <a:ext cx="2503170" cy="571500"/>
+            </a:xfrm>
+            <a:prstGeom prst="borderCallout1">
+              <a:avLst>
+                <a:gd name="adj1" fmla="val 43194"/>
+                <a:gd name="adj2" fmla="val -3259"/>
+                <a:gd name="adj3" fmla="val -322943"/>
+                <a:gd name="adj4" fmla="val -88933"/>
+              </a:avLst>
+            </a:prstGeom>
+            <a:noFill/>
+            <a:ln w="38100">
+              <a:solidFill>
+                <a:srgbClr val="00B050"/>
+              </a:solidFill>
+            </a:ln>
+          </p:spPr>
+          <p:style>
+            <a:lnRef idx="2">
+              <a:schemeClr val="accent1">
+                <a:shade val="50000"/>
+              </a:schemeClr>
+            </a:lnRef>
+            <a:fillRef idx="1">
+              <a:schemeClr val="accent1"/>
+            </a:fillRef>
+            <a:effectRef idx="0">
+              <a:schemeClr val="accent1"/>
+            </a:effectRef>
+            <a:fontRef idx="minor">
+              <a:schemeClr val="lt1"/>
+            </a:fontRef>
+          </p:style>
+          <p:txBody>
+            <a:bodyPr rtlCol="0" anchor="ctr"/>
+            <a:lstStyle/>
+            <a:p>
+              <a:pPr algn="ctr"/>
+              <a:r>
+                <a:rPr lang="en-US" dirty="0" smtClean="0">
+                  <a:solidFill>
+                    <a:schemeClr val="tx1"/>
+                  </a:solidFill>
+                </a:rPr>
+                <a:t>LED</a:t>
+              </a:r>
+              <a:endParaRPr lang="en-US" dirty="0">
+                <a:solidFill>
+                  <a:schemeClr val="tx1"/>
+                </a:solidFill>
+              </a:endParaRPr>
+            </a:p>
+          </p:txBody>
+        </p:sp>
+        <p:sp>
+          <p:nvSpPr>
+            <p:cNvPr id="10" name="Line Callout 1 9"/>
+            <p:cNvSpPr/>
+            <p:nvPr/>
+          </p:nvSpPr>
+          <p:spPr>
+            <a:xfrm>
+              <a:off x="5967829" y="5246370"/>
+              <a:ext cx="2503170" cy="571500"/>
+            </a:xfrm>
+            <a:prstGeom prst="borderCallout1">
+              <a:avLst>
+                <a:gd name="adj1" fmla="val 40972"/>
+                <a:gd name="adj2" fmla="val -3767"/>
+                <a:gd name="adj3" fmla="val -521603"/>
+                <a:gd name="adj4" fmla="val -116721"/>
+              </a:avLst>
+            </a:prstGeom>
+            <a:noFill/>
+            <a:ln w="38100">
+              <a:solidFill>
+                <a:schemeClr val="accent2">
+                  <a:lumMod val="75000"/>
+                </a:schemeClr>
+              </a:solidFill>
+            </a:ln>
+          </p:spPr>
+          <p:style>
+            <a:lnRef idx="2">
+              <a:schemeClr val="accent1">
+                <a:shade val="50000"/>
+              </a:schemeClr>
+            </a:lnRef>
+            <a:fillRef idx="1">
+              <a:schemeClr val="accent1"/>
+            </a:fillRef>
+            <a:effectRef idx="0">
+              <a:schemeClr val="accent1"/>
+            </a:effectRef>
+            <a:fontRef idx="minor">
+              <a:schemeClr val="lt1"/>
+            </a:fontRef>
+          </p:style>
+          <p:txBody>
+            <a:bodyPr rtlCol="0" anchor="ctr"/>
+            <a:lstStyle/>
+            <a:p>
+              <a:pPr algn="ctr"/>
+              <a:r>
+                <a:rPr lang="en-US" dirty="0" smtClean="0">
+                  <a:solidFill>
+                    <a:schemeClr val="tx1"/>
+                  </a:solidFill>
+                </a:rPr>
+                <a:t>Infrared </a:t>
+              </a:r>
+              <a:r>
+                <a:rPr lang="en-US" dirty="0" smtClean="0">
+                  <a:solidFill>
+                    <a:schemeClr val="tx1"/>
+                  </a:solidFill>
+                </a:rPr>
+                <a:t>LED</a:t>
+              </a:r>
+              <a:endParaRPr lang="en-US" dirty="0">
+                <a:solidFill>
+                  <a:schemeClr val="tx1"/>
+                </a:solidFill>
+              </a:endParaRPr>
+            </a:p>
+          </p:txBody>
+        </p:sp>
+        <p:pic>
+          <p:nvPicPr>
+            <p:cNvPr id="2" name="Picture 1"/>
+            <p:cNvPicPr>
+              <a:picLocks noChangeAspect="1"/>
+            </p:cNvPicPr>
+            <p:nvPr/>
+          </p:nvPicPr>
+          <p:blipFill rotWithShape="1">
+            <a:blip r:embed="rId3" cstate="print">
+              <a:extLst>
+                <a:ext uri="{28A0092B-C50C-407E-A947-70E740481C1C}">
+                  <a14:useLocalDpi xmlns:a14="http://schemas.microsoft.com/office/drawing/2010/main" val="0"/>
+                </a:ext>
+              </a:extLst>
+            </a:blip>
+            <a:srcRect l="32022" t="15006" r="10365" b="21751"/>
+            <a:stretch/>
+          </p:blipFill>
+          <p:spPr>
+            <a:xfrm>
+              <a:off x="5967830" y="750570"/>
+              <a:ext cx="2503170" cy="1850587"/>
+            </a:xfrm>
+            <a:prstGeom prst="rect">
+              <a:avLst/>
+            </a:prstGeom>
+            <a:ln w="38100">
+              <a:solidFill>
+                <a:srgbClr val="FFFF00"/>
+              </a:solidFill>
+            </a:ln>
+          </p:spPr>
+        </p:pic>
+        <p:sp>
+          <p:nvSpPr>
+            <p:cNvPr id="11" name="Oval 10"/>
+            <p:cNvSpPr/>
+            <p:nvPr/>
+          </p:nvSpPr>
+          <p:spPr>
+            <a:xfrm>
+              <a:off x="6303109" y="1888058"/>
+              <a:ext cx="1358320" cy="548640"/>
+            </a:xfrm>
+            <a:prstGeom prst="ellipse">
+              <a:avLst/>
+            </a:prstGeom>
+            <a:noFill/>
+            <a:ln w="57150">
+              <a:solidFill>
+                <a:schemeClr val="accent5"/>
+              </a:solidFill>
+            </a:ln>
+          </p:spPr>
+          <p:style>
+            <a:lnRef idx="2">
+              <a:schemeClr val="accent1">
+                <a:shade val="50000"/>
+              </a:schemeClr>
+            </a:lnRef>
+            <a:fillRef idx="1">
+              <a:schemeClr val="accent1"/>
+            </a:fillRef>
+            <a:effectRef idx="0">
+              <a:schemeClr val="accent1"/>
+            </a:effectRef>
+            <a:fontRef idx="minor">
+              <a:schemeClr val="lt1"/>
+            </a:fontRef>
+          </p:style>
+          <p:txBody>
+            <a:bodyPr rtlCol="0" anchor="ctr"/>
+            <a:lstStyle/>
+            <a:p>
+              <a:pPr algn="ctr"/>
+              <a:endParaRPr lang="en-US"/>
+            </a:p>
+          </p:txBody>
+        </p:sp>
+        <p:sp>
+          <p:nvSpPr>
+            <p:cNvPr id="12" name="Oval 11"/>
+            <p:cNvSpPr/>
+            <p:nvPr/>
+          </p:nvSpPr>
+          <p:spPr>
+            <a:xfrm>
+              <a:off x="6303109" y="1000162"/>
+              <a:ext cx="1358320" cy="548640"/>
+            </a:xfrm>
+            <a:prstGeom prst="ellipse">
+              <a:avLst/>
+            </a:prstGeom>
+            <a:noFill/>
+            <a:ln w="57150">
+              <a:solidFill>
+                <a:srgbClr val="FF0000"/>
+              </a:solidFill>
+            </a:ln>
+          </p:spPr>
+          <p:style>
+            <a:lnRef idx="2">
+              <a:schemeClr val="accent1">
+                <a:shade val="50000"/>
+              </a:schemeClr>
+            </a:lnRef>
+            <a:fillRef idx="1">
+              <a:schemeClr val="accent1"/>
+            </a:fillRef>
+            <a:effectRef idx="0">
+              <a:schemeClr val="accent1"/>
+            </a:effectRef>
+            <a:fontRef idx="minor">
+              <a:schemeClr val="lt1"/>
+            </a:fontRef>
+          </p:style>
+          <p:txBody>
+            <a:bodyPr rtlCol="0" anchor="ctr"/>
+            <a:lstStyle/>
+            <a:p>
+              <a:pPr algn="ctr"/>
+              <a:endParaRPr lang="en-US"/>
+            </a:p>
+          </p:txBody>
+        </p:sp>
+        <p:cxnSp>
+          <p:nvCxnSpPr>
+            <p:cNvPr id="13" name="Straight Connector 12"/>
+            <p:cNvCxnSpPr>
+              <a:stCxn id="11" idx="4"/>
+              <a:endCxn id="8" idx="3"/>
+            </p:cNvCxnSpPr>
+            <p:nvPr/>
+          </p:nvCxnSpPr>
+          <p:spPr>
+            <a:xfrm>
+              <a:off x="6982269" y="2436698"/>
+              <a:ext cx="237145" cy="705555"/>
+            </a:xfrm>
+            <a:prstGeom prst="line">
+              <a:avLst/>
+            </a:prstGeom>
+            <a:ln w="38100">
+              <a:solidFill>
+                <a:schemeClr val="accent1">
+                  <a:lumMod val="75000"/>
+                </a:schemeClr>
+              </a:solidFill>
+            </a:ln>
+          </p:spPr>
+          <p:style>
+            <a:lnRef idx="1">
+              <a:schemeClr val="accent1"/>
+            </a:lnRef>
+            <a:fillRef idx="0">
+              <a:schemeClr val="accent1"/>
+            </a:fillRef>
+            <a:effectRef idx="0">
+              <a:schemeClr val="accent1"/>
+            </a:effectRef>
+            <a:fontRef idx="minor">
+              <a:schemeClr val="tx1"/>
+            </a:fontRef>
+          </p:style>
+        </p:cxnSp>
+        <p:cxnSp>
+          <p:nvCxnSpPr>
+            <p:cNvPr id="14" name="Straight Connector 13"/>
+            <p:cNvCxnSpPr>
+              <a:stCxn id="12" idx="6"/>
+            </p:cNvCxnSpPr>
+            <p:nvPr/>
+          </p:nvCxnSpPr>
+          <p:spPr>
+            <a:xfrm>
+              <a:off x="7661429" y="1274482"/>
+              <a:ext cx="761345" cy="2568764"/>
+            </a:xfrm>
+            <a:prstGeom prst="line">
+              <a:avLst/>
+            </a:prstGeom>
+            <a:ln w="38100">
+              <a:solidFill>
+                <a:srgbClr val="FF0000"/>
+              </a:solidFill>
+            </a:ln>
+          </p:spPr>
+          <p:style>
+            <a:lnRef idx="1">
+              <a:schemeClr val="accent1"/>
+            </a:lnRef>
+            <a:fillRef idx="0">
+              <a:schemeClr val="accent1"/>
+            </a:fillRef>
+            <a:effectRef idx="0">
+              <a:schemeClr val="accent1"/>
+            </a:effectRef>
+            <a:fontRef idx="minor">
+              <a:schemeClr val="tx1"/>
+            </a:fontRef>
+          </p:style>
+        </p:cxnSp>
+        <p:sp>
+          <p:nvSpPr>
+            <p:cNvPr id="18" name="Rectangle 17"/>
+            <p:cNvSpPr/>
+            <p:nvPr/>
+          </p:nvSpPr>
+          <p:spPr>
+            <a:xfrm>
+              <a:off x="3348473" y="1548802"/>
+              <a:ext cx="1303426" cy="888654"/>
+            </a:xfrm>
+            <a:prstGeom prst="rect">
+              <a:avLst/>
+            </a:prstGeom>
+            <a:noFill/>
+            <a:ln w="38100">
+              <a:solidFill>
+                <a:srgbClr val="FFFF00"/>
+              </a:solidFill>
+              <a:prstDash val="dash"/>
+            </a:ln>
+          </p:spPr>
+          <p:style>
+            <a:lnRef idx="2">
+              <a:schemeClr val="accent1">
+                <a:shade val="50000"/>
+              </a:schemeClr>
+            </a:lnRef>
+            <a:fillRef idx="1">
+              <a:schemeClr val="accent1"/>
+            </a:fillRef>
+            <a:effectRef idx="0">
+              <a:schemeClr val="accent1"/>
+            </a:effectRef>
+            <a:fontRef idx="minor">
+              <a:schemeClr val="lt1"/>
+            </a:fontRef>
+          </p:style>
+          <p:txBody>
+            <a:bodyPr rtlCol="0" anchor="ctr"/>
+            <a:lstStyle/>
+            <a:p>
+              <a:pPr algn="ctr"/>
+              <a:endParaRPr lang="en-US"/>
+            </a:p>
+          </p:txBody>
+        </p:sp>
+        <p:cxnSp>
+          <p:nvCxnSpPr>
+            <p:cNvPr id="20" name="Straight Connector 19"/>
+            <p:cNvCxnSpPr/>
+            <p:nvPr/>
+          </p:nvCxnSpPr>
+          <p:spPr>
+            <a:xfrm flipV="1">
+              <a:off x="4651899" y="750570"/>
+              <a:ext cx="1315930" cy="798232"/>
+            </a:xfrm>
+            <a:prstGeom prst="line">
+              <a:avLst/>
+            </a:prstGeom>
+            <a:ln w="38100">
+              <a:solidFill>
+                <a:srgbClr val="FFFF00"/>
+              </a:solidFill>
+              <a:prstDash val="dash"/>
+            </a:ln>
+          </p:spPr>
+          <p:style>
+            <a:lnRef idx="1">
+              <a:schemeClr val="accent1"/>
+            </a:lnRef>
+            <a:fillRef idx="0">
+              <a:schemeClr val="accent1"/>
+            </a:fillRef>
+            <a:effectRef idx="0">
+              <a:schemeClr val="accent1"/>
+            </a:effectRef>
+            <a:fontRef idx="minor">
+              <a:schemeClr val="tx1"/>
+            </a:fontRef>
+          </p:style>
+        </p:cxnSp>
+        <p:cxnSp>
+          <p:nvCxnSpPr>
+            <p:cNvPr id="22" name="Straight Connector 21"/>
+            <p:cNvCxnSpPr/>
+            <p:nvPr/>
+          </p:nvCxnSpPr>
+          <p:spPr>
+            <a:xfrm>
+              <a:off x="4651899" y="2434590"/>
+              <a:ext cx="1315930" cy="124274"/>
+            </a:xfrm>
+            <a:prstGeom prst="line">
+              <a:avLst/>
+            </a:prstGeom>
+            <a:ln w="38100">
+              <a:solidFill>
+                <a:srgbClr val="FFFF00"/>
+              </a:solidFill>
+              <a:prstDash val="dash"/>
+            </a:ln>
+          </p:spPr>
+          <p:style>
+            <a:lnRef idx="1">
+              <a:schemeClr val="accent1"/>
+            </a:lnRef>
+            <a:fillRef idx="0">
+              <a:schemeClr val="accent1"/>
+            </a:fillRef>
+            <a:effectRef idx="0">
+              <a:schemeClr val="accent1"/>
+            </a:effectRef>
+            <a:fontRef idx="minor">
+              <a:schemeClr val="tx1"/>
+            </a:fontRef>
+          </p:style>
+        </p:cxnSp>
+      </p:grpSp>
+    </p:spTree>
+    <p:extLst>
+      <p:ext uri="{BB962C8B-B14F-4D97-AF65-F5344CB8AC3E}">
+        <p14:creationId xmlns:p14="http://schemas.microsoft.com/office/powerpoint/2010/main" val="2769727534"/>
+      </p:ext>
+    </p:extLst>
+  </p:cSld>
+  <p:clrMapOvr>
+    <a:masterClrMapping/>
+  </p:clrMapOvr>
+</p:sld>
+</file>
+
+<file path=ppt/slides/slide2.xml><?xml version="1.0" encoding="utf-8"?>
+<p:sld xmlns:a="http://schemas.openxmlformats.org/drawingml/2006/main" xmlns:r="http://schemas.openxmlformats.org/officeDocument/2006/relationships" xmlns:p="http://schemas.openxmlformats.org/presentationml/2006/main">
+  <p:cSld>
+    <p:spTree>
+      <p:nvGrpSpPr>
+        <p:cNvPr id="1" name=""/>
+        <p:cNvGrpSpPr/>
+        <p:nvPr/>
+      </p:nvGrpSpPr>
+      <p:grpSpPr>
+        <a:xfrm>
+          <a:off x="0" y="0"/>
+          <a:ext cx="0" cy="0"/>
+          <a:chOff x="0" y="0"/>
+          <a:chExt cx="0" cy="0"/>
+        </a:xfrm>
+      </p:grpSpPr>
       <p:pic>
         <p:nvPicPr>
           <p:cNvPr id="4" name="Picture 3"/>
@@ -3343,7 +4111,7 @@
     </p:spTree>
     <p:extLst>
       <p:ext uri="{BB962C8B-B14F-4D97-AF65-F5344CB8AC3E}">
-        <p14:creationId xmlns:p14="http://schemas.microsoft.com/office/powerpoint/2010/main" val="2769727534"/>
+        <p14:creationId xmlns:p14="http://schemas.microsoft.com/office/powerpoint/2010/main" val="1754908145"/>
       </p:ext>
     </p:extLst>
   </p:cSld>
@@ -3608,7 +4376,7 @@
   <a:extraClrSchemeLst/>
   <a:extLst>
     <a:ext uri="{05A4C25C-085E-4340-85A3-A5531E510DB2}">
-      <thm15:themeFamily xmlns:thm15="http://schemas.microsoft.com/office/thememl/2012/main" xmlns="" name="Office Theme" id="{62F939B6-93AF-4DB8-9C6B-D6C7DFDC589F}" vid="{4A3C46E8-61CC-4603-A589-7422A47A8E4A}"/>
+      <thm15:themeFamily xmlns:thm15="http://schemas.microsoft.com/office/thememl/2012/main" name="Office Theme" id="{62F939B6-93AF-4DB8-9C6B-D6C7DFDC589F}" vid="{4A3C46E8-61CC-4603-A589-7422A47A8E4A}"/>
     </a:ext>
   </a:extLst>
 </a:theme>
